--- a/docs/ThinkOutsideTheRoomMilestone3 PowerPoint.pptx
+++ b/docs/ThinkOutsideTheRoomMilestone3 PowerPoint.pptx
@@ -381,7 +381,7 @@
           <a:p>
             <a:fld id="{D44AFC3F-9B4E-438C-9772-1794D471B343}" type="slidenum">
               <a:rPr lang="de-CH" smtClean="0"/>
-              <a:t>‹#›</a:t>
+              <a:t>‹Nr.›</a:t>
             </a:fld>
             <a:endParaRPr lang="de-CH"/>
           </a:p>
@@ -4647,7 +4647,7 @@
           <a:p>
             <a:fld id="{718EF367-468A-4C71-8ACE-D291A881181E}" type="slidenum">
               <a:rPr lang="de-CH" smtClean="0"/>
-              <a:t>‹#›</a:t>
+              <a:t>‹Nr.›</a:t>
             </a:fld>
             <a:endParaRPr lang="de-CH"/>
           </a:p>
@@ -4847,7 +4847,7 @@
           <a:p>
             <a:fld id="{718EF367-468A-4C71-8ACE-D291A881181E}" type="slidenum">
               <a:rPr lang="de-CH" smtClean="0"/>
-              <a:t>‹#›</a:t>
+              <a:t>‹Nr.›</a:t>
             </a:fld>
             <a:endParaRPr lang="de-CH"/>
           </a:p>
@@ -5057,7 +5057,7 @@
           <a:p>
             <a:fld id="{718EF367-468A-4C71-8ACE-D291A881181E}" type="slidenum">
               <a:rPr lang="de-CH" smtClean="0"/>
-              <a:t>‹#›</a:t>
+              <a:t>‹Nr.›</a:t>
             </a:fld>
             <a:endParaRPr lang="de-CH"/>
           </a:p>
@@ -5257,7 +5257,7 @@
           <a:p>
             <a:fld id="{718EF367-468A-4C71-8ACE-D291A881181E}" type="slidenum">
               <a:rPr lang="de-CH" smtClean="0"/>
-              <a:t>‹#›</a:t>
+              <a:t>‹Nr.›</a:t>
             </a:fld>
             <a:endParaRPr lang="de-CH"/>
           </a:p>
@@ -5533,7 +5533,7 @@
           <a:p>
             <a:fld id="{718EF367-468A-4C71-8ACE-D291A881181E}" type="slidenum">
               <a:rPr lang="de-CH" smtClean="0"/>
-              <a:t>‹#›</a:t>
+              <a:t>‹Nr.›</a:t>
             </a:fld>
             <a:endParaRPr lang="de-CH"/>
           </a:p>
@@ -5801,7 +5801,7 @@
           <a:p>
             <a:fld id="{718EF367-468A-4C71-8ACE-D291A881181E}" type="slidenum">
               <a:rPr lang="de-CH" smtClean="0"/>
-              <a:t>‹#›</a:t>
+              <a:t>‹Nr.›</a:t>
             </a:fld>
             <a:endParaRPr lang="de-CH"/>
           </a:p>
@@ -6216,7 +6216,7 @@
           <a:p>
             <a:fld id="{718EF367-468A-4C71-8ACE-D291A881181E}" type="slidenum">
               <a:rPr lang="de-CH" smtClean="0"/>
-              <a:t>‹#›</a:t>
+              <a:t>‹Nr.›</a:t>
             </a:fld>
             <a:endParaRPr lang="de-CH"/>
           </a:p>
@@ -6358,7 +6358,7 @@
           <a:p>
             <a:fld id="{718EF367-468A-4C71-8ACE-D291A881181E}" type="slidenum">
               <a:rPr lang="de-CH" smtClean="0"/>
-              <a:t>‹#›</a:t>
+              <a:t>‹Nr.›</a:t>
             </a:fld>
             <a:endParaRPr lang="de-CH"/>
           </a:p>
@@ -6471,7 +6471,7 @@
           <a:p>
             <a:fld id="{718EF367-468A-4C71-8ACE-D291A881181E}" type="slidenum">
               <a:rPr lang="de-CH" smtClean="0"/>
-              <a:t>‹#›</a:t>
+              <a:t>‹Nr.›</a:t>
             </a:fld>
             <a:endParaRPr lang="de-CH"/>
           </a:p>
@@ -6784,7 +6784,7 @@
           <a:p>
             <a:fld id="{718EF367-468A-4C71-8ACE-D291A881181E}" type="slidenum">
               <a:rPr lang="de-CH" smtClean="0"/>
-              <a:t>‹#›</a:t>
+              <a:t>‹Nr.›</a:t>
             </a:fld>
             <a:endParaRPr lang="de-CH"/>
           </a:p>
@@ -7073,7 +7073,7 @@
           <a:p>
             <a:fld id="{718EF367-468A-4C71-8ACE-D291A881181E}" type="slidenum">
               <a:rPr lang="de-CH" smtClean="0"/>
-              <a:t>‹#›</a:t>
+              <a:t>‹Nr.›</a:t>
             </a:fld>
             <a:endParaRPr lang="de-CH"/>
           </a:p>
@@ -7352,7 +7352,7 @@
           <a:p>
             <a:fld id="{718EF367-468A-4C71-8ACE-D291A881181E}" type="slidenum">
               <a:rPr lang="de-CH" smtClean="0"/>
-              <a:t>‹#›</a:t>
+              <a:t>‹Nr.›</a:t>
             </a:fld>
             <a:endParaRPr lang="de-CH"/>
           </a:p>
@@ -12502,7 +12502,7 @@
               <a:t> 2D Jump and Run Puzzles- </a:t>
             </a:r>
             <a:r>
-              <a:rPr lang="de-DE" sz="2000" err="1">
+              <a:rPr lang="de-DE" sz="2000" dirty="0" err="1">
                 <a:solidFill>
                   <a:srgbClr val="FFFFFF"/>
                 </a:solidFill>
@@ -12521,7 +12521,7 @@
               </a:rPr>
               <a:t> </a:t>
             </a:r>
-            <a:endParaRPr lang="en-US" sz="2000">
+            <a:endParaRPr lang="en-US" sz="2000" dirty="0">
               <a:solidFill>
                 <a:srgbClr val="000000"/>
               </a:solidFill>
@@ -12538,7 +12538,7 @@
                 <a:spcPts val="0"/>
               </a:spcBef>
             </a:pPr>
-            <a:endParaRPr lang="de-DE" sz="2000">
+            <a:endParaRPr lang="de-DE" sz="2000" dirty="0">
               <a:solidFill>
                 <a:srgbClr val="000000"/>
               </a:solidFill>
@@ -12587,7 +12587,7 @@
               <a:t>2 Players </a:t>
             </a:r>
             <a:r>
-              <a:rPr lang="de-DE" sz="2000" err="1">
+              <a:rPr lang="de-DE" sz="2000" dirty="0" err="1">
                 <a:solidFill>
                   <a:srgbClr val="FFFFFF"/>
                 </a:solidFill>
@@ -12648,7 +12648,7 @@
                 <a:latin typeface="Segoe UI"/>
                 <a:cs typeface="Segoe UI"/>
               </a:rPr>
-              <a:t>Goal :</a:t>
+              <a:t>Goal : </a:t>
             </a:r>
             <a:r>
               <a:rPr lang="de-DE" sz="2000" dirty="0" err="1">
@@ -12811,14 +12811,14 @@
             <a:endParaRPr lang="de-CH" dirty="0"/>
           </a:p>
           <a:p>
-            <a:endParaRPr lang="de-CH">
+            <a:endParaRPr lang="de-CH" dirty="0">
               <a:solidFill>
                 <a:srgbClr val="FFFFFF"/>
               </a:solidFill>
             </a:endParaRPr>
           </a:p>
           <a:p>
-            <a:endParaRPr lang="de-CH">
+            <a:endParaRPr lang="de-CH" dirty="0">
               <a:solidFill>
                 <a:srgbClr val="FFFFFF"/>
               </a:solidFill>
